--- a/slides/习题课3.pptx
+++ b/slides/习题课3.pptx
@@ -268,7 +268,7 @@
           <a:p>
             <a:fld id="{DD4E8DCF-FCA6-4643-B614-2C8D6EC78CE8}" type="datetimeFigureOut">
               <a:rPr lang="zh-CN" altLang="en-US" smtClean="0"/>
-              <a:t>2019/4/25</a:t>
+              <a:t>2019/4/26</a:t>
             </a:fld>
             <a:endParaRPr lang="zh-CN" altLang="en-US"/>
           </a:p>
@@ -438,7 +438,7 @@
           <a:p>
             <a:fld id="{DD4E8DCF-FCA6-4643-B614-2C8D6EC78CE8}" type="datetimeFigureOut">
               <a:rPr lang="zh-CN" altLang="en-US" smtClean="0"/>
-              <a:t>2019/4/25</a:t>
+              <a:t>2019/4/26</a:t>
             </a:fld>
             <a:endParaRPr lang="zh-CN" altLang="en-US"/>
           </a:p>
@@ -618,7 +618,7 @@
           <a:p>
             <a:fld id="{DD4E8DCF-FCA6-4643-B614-2C8D6EC78CE8}" type="datetimeFigureOut">
               <a:rPr lang="zh-CN" altLang="en-US" smtClean="0"/>
-              <a:t>2019/4/25</a:t>
+              <a:t>2019/4/26</a:t>
             </a:fld>
             <a:endParaRPr lang="zh-CN" altLang="en-US"/>
           </a:p>
@@ -788,7 +788,7 @@
           <a:p>
             <a:fld id="{DD4E8DCF-FCA6-4643-B614-2C8D6EC78CE8}" type="datetimeFigureOut">
               <a:rPr lang="zh-CN" altLang="en-US" smtClean="0"/>
-              <a:t>2019/4/25</a:t>
+              <a:t>2019/4/26</a:t>
             </a:fld>
             <a:endParaRPr lang="zh-CN" altLang="en-US"/>
           </a:p>
@@ -1034,7 +1034,7 @@
           <a:p>
             <a:fld id="{DD4E8DCF-FCA6-4643-B614-2C8D6EC78CE8}" type="datetimeFigureOut">
               <a:rPr lang="zh-CN" altLang="en-US" smtClean="0"/>
-              <a:t>2019/4/25</a:t>
+              <a:t>2019/4/26</a:t>
             </a:fld>
             <a:endParaRPr lang="zh-CN" altLang="en-US"/>
           </a:p>
@@ -1266,7 +1266,7 @@
           <a:p>
             <a:fld id="{DD4E8DCF-FCA6-4643-B614-2C8D6EC78CE8}" type="datetimeFigureOut">
               <a:rPr lang="zh-CN" altLang="en-US" smtClean="0"/>
-              <a:t>2019/4/25</a:t>
+              <a:t>2019/4/26</a:t>
             </a:fld>
             <a:endParaRPr lang="zh-CN" altLang="en-US"/>
           </a:p>
@@ -1633,7 +1633,7 @@
           <a:p>
             <a:fld id="{DD4E8DCF-FCA6-4643-B614-2C8D6EC78CE8}" type="datetimeFigureOut">
               <a:rPr lang="zh-CN" altLang="en-US" smtClean="0"/>
-              <a:t>2019/4/25</a:t>
+              <a:t>2019/4/26</a:t>
             </a:fld>
             <a:endParaRPr lang="zh-CN" altLang="en-US"/>
           </a:p>
@@ -1751,7 +1751,7 @@
           <a:p>
             <a:fld id="{DD4E8DCF-FCA6-4643-B614-2C8D6EC78CE8}" type="datetimeFigureOut">
               <a:rPr lang="zh-CN" altLang="en-US" smtClean="0"/>
-              <a:t>2019/4/25</a:t>
+              <a:t>2019/4/26</a:t>
             </a:fld>
             <a:endParaRPr lang="zh-CN" altLang="en-US"/>
           </a:p>
@@ -1846,7 +1846,7 @@
           <a:p>
             <a:fld id="{DD4E8DCF-FCA6-4643-B614-2C8D6EC78CE8}" type="datetimeFigureOut">
               <a:rPr lang="zh-CN" altLang="en-US" smtClean="0"/>
-              <a:t>2019/4/25</a:t>
+              <a:t>2019/4/26</a:t>
             </a:fld>
             <a:endParaRPr lang="zh-CN" altLang="en-US"/>
           </a:p>
@@ -2123,7 +2123,7 @@
           <a:p>
             <a:fld id="{DD4E8DCF-FCA6-4643-B614-2C8D6EC78CE8}" type="datetimeFigureOut">
               <a:rPr lang="zh-CN" altLang="en-US" smtClean="0"/>
-              <a:t>2019/4/25</a:t>
+              <a:t>2019/4/26</a:t>
             </a:fld>
             <a:endParaRPr lang="zh-CN" altLang="en-US"/>
           </a:p>
@@ -2376,7 +2376,7 @@
           <a:p>
             <a:fld id="{DD4E8DCF-FCA6-4643-B614-2C8D6EC78CE8}" type="datetimeFigureOut">
               <a:rPr lang="zh-CN" altLang="en-US" smtClean="0"/>
-              <a:t>2019/4/25</a:t>
+              <a:t>2019/4/26</a:t>
             </a:fld>
             <a:endParaRPr lang="zh-CN" altLang="en-US"/>
           </a:p>
@@ -2589,7 +2589,7 @@
           <a:p>
             <a:fld id="{DD4E8DCF-FCA6-4643-B614-2C8D6EC78CE8}" type="datetimeFigureOut">
               <a:rPr lang="zh-CN" altLang="en-US" smtClean="0"/>
-              <a:t>2019/4/25</a:t>
+              <a:t>2019/4/26</a:t>
             </a:fld>
             <a:endParaRPr lang="zh-CN" altLang="en-US"/>
           </a:p>
@@ -7833,13 +7833,7 @@
               <a:rPr lang="zh-CN" altLang="en-US" sz="2400" smtClean="0">
                 <a:latin typeface="+mn-ea"/>
               </a:rPr>
-              <a:t>顶点</a:t>
-            </a:r>
-            <a:r>
-              <a:rPr lang="zh-CN" altLang="en-US" sz="2400" smtClean="0">
-                <a:latin typeface="+mn-ea"/>
-              </a:rPr>
-              <a:t>后序排列</a:t>
+              <a:t>顶点后序排列</a:t>
             </a:r>
             <a:r>
               <a:rPr lang="zh-CN" altLang="en-US" sz="2400" dirty="0" smtClean="0">
@@ -10788,7 +10782,7 @@
           <a:p>
             <a:r>
               <a:rPr lang="en-US" altLang="zh-CN" smtClean="0"/>
-              <a:t>3.4.1</a:t>
+              <a:t>3.4.6</a:t>
             </a:r>
             <a:endParaRPr lang="zh-CN" altLang="en-US" dirty="0"/>
           </a:p>
@@ -10839,11 +10833,7 @@
             </a:r>
             <a:r>
               <a:rPr lang="en-US" altLang="zh-CN" sz="2400"/>
-              <a:t> integers, for a hash function with prime M, each key bit has the property that there exist two keys differing only in that bit that have different hash </a:t>
-            </a:r>
-            <a:r>
-              <a:rPr lang="en-US" altLang="zh-CN" sz="2400"/>
-              <a:t>values</a:t>
+              <a:t> integers, for a hash function with prime M, each key bit has the property that there exist two keys differing only in that bit that have different hash values</a:t>
             </a:r>
             <a:r>
               <a:rPr lang="en-US" altLang="zh-CN" sz="2400" smtClean="0"/>
@@ -10862,15 +10852,7 @@
                   <a:srgbClr val="C00000"/>
                 </a:solidFill>
               </a:rPr>
-              <a:t>Proof</a:t>
-            </a:r>
-            <a:r>
-              <a:rPr lang="en-US" altLang="zh-CN" sz="2400" b="1">
-                <a:solidFill>
-                  <a:srgbClr val="C00000"/>
-                </a:solidFill>
-              </a:rPr>
-              <a:t>: </a:t>
+              <a:t>Proof: </a:t>
             </a:r>
             <a:r>
               <a:rPr lang="en-US" altLang="zh-CN" sz="2400" smtClean="0"/>
@@ -10973,13 +10955,7 @@
               <a:rPr lang="en-US" altLang="zh-CN" sz="2000" b="1">
                 <a:latin typeface="+mn-ea"/>
               </a:rPr>
-              <a:t>Case 1</a:t>
-            </a:r>
-            <a:r>
-              <a:rPr lang="en-US" altLang="zh-CN" sz="2000" b="1">
-                <a:latin typeface="+mn-ea"/>
-              </a:rPr>
-              <a:t>: </a:t>
+              <a:t>Case 1: </a:t>
             </a:r>
             <a:r>
               <a:rPr lang="en-US" altLang="zh-CN" sz="2000" smtClean="0">
@@ -15056,11 +15032,7 @@
             </a:r>
             <a:r>
               <a:rPr lang="zh-CN" altLang="en-US" sz="3200" smtClean="0"/>
-              <a:t>最大</a:t>
-            </a:r>
-            <a:r>
-              <a:rPr lang="zh-CN" altLang="en-US" sz="3200" smtClean="0"/>
-              <a:t>探测</a:t>
+              <a:t>最大探测</a:t>
             </a:r>
             <a:r>
               <a:rPr lang="zh-CN" altLang="en-US" sz="3200"/>
@@ -15068,11 +15040,7 @@
             </a:r>
             <a:r>
               <a:rPr lang="en-US" sz="3200"/>
-              <a:t>1 + 2 + 1 + 2 + 1 + 2 + 3 </a:t>
-            </a:r>
-            <a:r>
-              <a:rPr lang="en-US" sz="3200"/>
-              <a:t>= </a:t>
+              <a:t>1 + 2 + 1 + 2 + 1 + 2 + 3 = </a:t>
             </a:r>
             <a:r>
               <a:rPr lang="en-US" sz="3200" smtClean="0"/>
@@ -15874,11 +15842,7 @@
             </a:r>
             <a:r>
               <a:rPr lang="zh-CN" altLang="en-US" sz="3200" b="0" smtClean="0"/>
-              <a:t>顶点</a:t>
-            </a:r>
-            <a:r>
-              <a:rPr lang="zh-CN" altLang="en-US" sz="3200" b="0" smtClean="0"/>
-              <a:t>即为此顶点</a:t>
+              <a:t>顶点即为此顶点</a:t>
             </a:r>
             <a:r>
               <a:rPr lang="en-US" altLang="zh-CN" sz="3200" b="0" dirty="0" smtClean="0"/>
